--- a/big_data_in_finance/final/задание 2/Дашборд.pptx
+++ b/big_data_in_finance/final/задание 2/Дашборд.pptx
@@ -3327,7 +3327,7 @@
           <p:cNvPr id="0" name="slide1">
             <a:extLst>
               <a:ext uri="{FF2B5EF4-FFF2-40B4-BE49-F238E27FC236}">
-                <a16:creationId xmlns:a16="http://schemas.microsoft.com/office/drawing/2014/main" id="{C17F6124-1500-4137-8881-A43C2AC345DE}"/>
+                <a16:creationId xmlns:a16="http://schemas.microsoft.com/office/drawing/2014/main" id="{305241DE-5C6F-48F3-8282-DF1484CC4A00}"/>
               </a:ext>
             </a:extLst>
           </p:cNvPr>
@@ -3355,7 +3355,7 @@
           <p:cNvPr id="1" name="slide1">
             <a:extLst>
               <a:ext uri="{FF2B5EF4-FFF2-40B4-BE49-F238E27FC236}">
-                <a16:creationId xmlns:a16="http://schemas.microsoft.com/office/drawing/2014/main" id="{7219595C-4845-4F43-A577-B9D42BE4DAD9}"/>
+                <a16:creationId xmlns:a16="http://schemas.microsoft.com/office/drawing/2014/main" id="{4E53D9D3-AFD1-496F-9524-2A72960601E8}"/>
               </a:ext>
             </a:extLst>
           </p:cNvPr>
@@ -3373,7 +3373,7 @@
           <a:p>
             <a:r>
               <a:rPr/>
-              <a:t>File created on: 03.12.2023 22:41:57 GMT+3</a:t>
+              <a:t>File created on: 03.12.2023 22:57:49 GMT+3</a:t>
             </a:r>
           </a:p>
         </p:txBody>
@@ -3413,7 +3413,7 @@
           <p:cNvPr descr="Dashboard 1" id="2" name="slide2">
             <a:extLst>
               <a:ext uri="{FF2B5EF4-FFF2-40B4-BE49-F238E27FC236}">
-                <a16:creationId xmlns:a16="http://schemas.microsoft.com/office/drawing/2014/main" id="{49DA7449-729C-46E1-A86F-72A3F3CCB73D}"/>
+                <a16:creationId xmlns:a16="http://schemas.microsoft.com/office/drawing/2014/main" id="{F57567FD-DBA4-409E-84D4-C8BC34802991}"/>
               </a:ext>
             </a:extLst>
           </p:cNvPr>
